--- a/Presentaciones/clase8.pptx
+++ b/Presentaciones/clase8.pptx
@@ -250,7 +250,7 @@
           <a:p>
             <a:fld id="{EEFA2932-2D0D-4A88-8A26-2C76D0957E75}" type="datetimeFigureOut">
               <a:rPr lang="es-MX" smtClean="0"/>
-              <a:t>29/10/2020</a:t>
+              <a:t>03/11/2020</a:t>
             </a:fld>
             <a:endParaRPr lang="es-MX"/>
           </a:p>
@@ -420,7 +420,7 @@
           <a:p>
             <a:fld id="{EEFA2932-2D0D-4A88-8A26-2C76D0957E75}" type="datetimeFigureOut">
               <a:rPr lang="es-MX" smtClean="0"/>
-              <a:t>29/10/2020</a:t>
+              <a:t>03/11/2020</a:t>
             </a:fld>
             <a:endParaRPr lang="es-MX"/>
           </a:p>
@@ -600,7 +600,7 @@
           <a:p>
             <a:fld id="{EEFA2932-2D0D-4A88-8A26-2C76D0957E75}" type="datetimeFigureOut">
               <a:rPr lang="es-MX" smtClean="0"/>
-              <a:t>29/10/2020</a:t>
+              <a:t>03/11/2020</a:t>
             </a:fld>
             <a:endParaRPr lang="es-MX"/>
           </a:p>
@@ -770,7 +770,7 @@
           <a:p>
             <a:fld id="{EEFA2932-2D0D-4A88-8A26-2C76D0957E75}" type="datetimeFigureOut">
               <a:rPr lang="es-MX" smtClean="0"/>
-              <a:t>29/10/2020</a:t>
+              <a:t>03/11/2020</a:t>
             </a:fld>
             <a:endParaRPr lang="es-MX"/>
           </a:p>
@@ -1016,7 +1016,7 @@
           <a:p>
             <a:fld id="{EEFA2932-2D0D-4A88-8A26-2C76D0957E75}" type="datetimeFigureOut">
               <a:rPr lang="es-MX" smtClean="0"/>
-              <a:t>29/10/2020</a:t>
+              <a:t>03/11/2020</a:t>
             </a:fld>
             <a:endParaRPr lang="es-MX"/>
           </a:p>
@@ -1248,7 +1248,7 @@
           <a:p>
             <a:fld id="{EEFA2932-2D0D-4A88-8A26-2C76D0957E75}" type="datetimeFigureOut">
               <a:rPr lang="es-MX" smtClean="0"/>
-              <a:t>29/10/2020</a:t>
+              <a:t>03/11/2020</a:t>
             </a:fld>
             <a:endParaRPr lang="es-MX"/>
           </a:p>
@@ -1615,7 +1615,7 @@
           <a:p>
             <a:fld id="{EEFA2932-2D0D-4A88-8A26-2C76D0957E75}" type="datetimeFigureOut">
               <a:rPr lang="es-MX" smtClean="0"/>
-              <a:t>29/10/2020</a:t>
+              <a:t>03/11/2020</a:t>
             </a:fld>
             <a:endParaRPr lang="es-MX"/>
           </a:p>
@@ -1733,7 +1733,7 @@
           <a:p>
             <a:fld id="{EEFA2932-2D0D-4A88-8A26-2C76D0957E75}" type="datetimeFigureOut">
               <a:rPr lang="es-MX" smtClean="0"/>
-              <a:t>29/10/2020</a:t>
+              <a:t>03/11/2020</a:t>
             </a:fld>
             <a:endParaRPr lang="es-MX"/>
           </a:p>
@@ -1828,7 +1828,7 @@
           <a:p>
             <a:fld id="{EEFA2932-2D0D-4A88-8A26-2C76D0957E75}" type="datetimeFigureOut">
               <a:rPr lang="es-MX" smtClean="0"/>
-              <a:t>29/10/2020</a:t>
+              <a:t>03/11/2020</a:t>
             </a:fld>
             <a:endParaRPr lang="es-MX"/>
           </a:p>
@@ -2105,7 +2105,7 @@
           <a:p>
             <a:fld id="{EEFA2932-2D0D-4A88-8A26-2C76D0957E75}" type="datetimeFigureOut">
               <a:rPr lang="es-MX" smtClean="0"/>
-              <a:t>29/10/2020</a:t>
+              <a:t>03/11/2020</a:t>
             </a:fld>
             <a:endParaRPr lang="es-MX"/>
           </a:p>
@@ -2358,7 +2358,7 @@
           <a:p>
             <a:fld id="{EEFA2932-2D0D-4A88-8A26-2C76D0957E75}" type="datetimeFigureOut">
               <a:rPr lang="es-MX" smtClean="0"/>
-              <a:t>29/10/2020</a:t>
+              <a:t>03/11/2020</a:t>
             </a:fld>
             <a:endParaRPr lang="es-MX"/>
           </a:p>
@@ -2426,7 +2426,6 @@
       <p:bgPr>
         <a:blipFill dpi="0" rotWithShape="1">
           <a:blip r:embed="rId13">
-            <a:alphaModFix amt="20000"/>
             <a:lum/>
           </a:blip>
           <a:srcRect/>
@@ -2581,7 +2580,7 @@
           <a:p>
             <a:fld id="{EEFA2932-2D0D-4A88-8A26-2C76D0957E75}" type="datetimeFigureOut">
               <a:rPr lang="es-MX" smtClean="0"/>
-              <a:t>29/10/2020</a:t>
+              <a:t>03/11/2020</a:t>
             </a:fld>
             <a:endParaRPr lang="es-MX"/>
           </a:p>
@@ -3347,23 +3346,8 @@
                 </a:solidFill>
                 <a:latin typeface="HP Simplified Light" panose="020B0406020204020204" pitchFamily="34" charset="0"/>
               </a:rPr>
-              <a:t>Sesión </a:t>
-            </a:r>
-            <a:r>
-              <a:rPr lang="es-MX" sz="4000" i="1" dirty="0" smtClean="0">
-                <a:solidFill>
-                  <a:schemeClr val="bg1"/>
-                </a:solidFill>
-                <a:latin typeface="HP Simplified Light" panose="020B0406020204020204" pitchFamily="34" charset="0"/>
-              </a:rPr>
-              <a:t>8</a:t>
-            </a:r>
-            <a:endParaRPr lang="es-MX" sz="4000" i="1" dirty="0" smtClean="0">
-              <a:solidFill>
-                <a:schemeClr val="bg1"/>
-              </a:solidFill>
-              <a:latin typeface="HP Simplified Light" panose="020B0406020204020204" pitchFamily="34" charset="0"/>
-            </a:endParaRPr>
+              <a:t>Sesión 8</a:t>
+            </a:r>
           </a:p>
         </p:txBody>
       </p:sp>
